--- a/data/images/2020-01-09/Presentation1.pptx
+++ b/data/images/2020-01-09/Presentation1.pptx
@@ -3672,7 +3672,7 @@
         </p:nvSpPr>
         <p:spPr>
           <a:xfrm>
-            <a:off x="5688749" y="2195859"/>
+            <a:off x="5560160" y="2195859"/>
             <a:ext cx="1482091" cy="1482091"/>
           </a:xfrm>
           <a:prstGeom prst="ellipse">
@@ -5056,7 +5056,7 @@
         </p:nvSpPr>
         <p:spPr>
           <a:xfrm>
-            <a:off x="7285396" y="2748133"/>
+            <a:off x="7156807" y="2748133"/>
             <a:ext cx="800100" cy="377542"/>
           </a:xfrm>
           <a:prstGeom prst="rightArrow">
@@ -5115,7 +5115,7 @@
         </p:nvSpPr>
         <p:spPr>
           <a:xfrm>
-            <a:off x="4749647" y="2748133"/>
+            <a:off x="4621058" y="2748133"/>
             <a:ext cx="800100" cy="377542"/>
           </a:xfrm>
           <a:prstGeom prst="rightArrow">
